--- a/pre-made-ppt/ไม่ว่าอยู่แห่งหนไหน.pptx
+++ b/pre-made-ppt/ไม่ว่าอยู่แห่งหนไหน.pptx
@@ -299,7 +299,7 @@
           <a:p>
             <a:fld id="{5BCAD085-E8A6-8845-BD4E-CB4CCA059FC4}" type="datetimeFigureOut">
               <a:rPr lang="en-US" smtClean="0"/>
-              <a:t>10/12/2019</a:t>
+              <a:t>10/13/2019</a:t>
             </a:fld>
             <a:endParaRPr lang="en-US"/>
           </a:p>
@@ -469,7 +469,7 @@
           <a:p>
             <a:fld id="{5BCAD085-E8A6-8845-BD4E-CB4CCA059FC4}" type="datetimeFigureOut">
               <a:rPr lang="en-US" smtClean="0"/>
-              <a:t>10/12/2019</a:t>
+              <a:t>10/13/2019</a:t>
             </a:fld>
             <a:endParaRPr lang="en-US"/>
           </a:p>
@@ -649,7 +649,7 @@
           <a:p>
             <a:fld id="{5BCAD085-E8A6-8845-BD4E-CB4CCA059FC4}" type="datetimeFigureOut">
               <a:rPr lang="en-US" smtClean="0"/>
-              <a:t>10/12/2019</a:t>
+              <a:t>10/13/2019</a:t>
             </a:fld>
             <a:endParaRPr lang="en-US"/>
           </a:p>
@@ -898,7 +898,7 @@
                 </a:solidFill>
               </a:rPr>
               <a:pPr/>
-              <a:t>10/12/2019</a:t>
+              <a:t>10/13/2019</a:t>
             </a:fld>
             <a:endParaRPr lang="en-US">
               <a:solidFill>
@@ -1100,7 +1100,7 @@
                 </a:solidFill>
               </a:rPr>
               <a:pPr/>
-              <a:t>10/12/2019</a:t>
+              <a:t>10/13/2019</a:t>
             </a:fld>
             <a:endParaRPr lang="en-US">
               <a:solidFill>
@@ -1378,7 +1378,7 @@
                 </a:solidFill>
               </a:rPr>
               <a:pPr/>
-              <a:t>10/12/2019</a:t>
+              <a:t>10/13/2019</a:t>
             </a:fld>
             <a:endParaRPr lang="en-US">
               <a:solidFill>
@@ -1698,7 +1698,7 @@
                 </a:solidFill>
               </a:rPr>
               <a:pPr/>
-              <a:t>10/12/2019</a:t>
+              <a:t>10/13/2019</a:t>
             </a:fld>
             <a:endParaRPr lang="en-US">
               <a:solidFill>
@@ -2152,7 +2152,7 @@
                 </a:solidFill>
               </a:rPr>
               <a:pPr/>
-              <a:t>10/12/2019</a:t>
+              <a:t>10/13/2019</a:t>
             </a:fld>
             <a:endParaRPr lang="en-US">
               <a:solidFill>
@@ -2302,7 +2302,7 @@
                 </a:solidFill>
               </a:rPr>
               <a:pPr/>
-              <a:t>10/12/2019</a:t>
+              <a:t>10/13/2019</a:t>
             </a:fld>
             <a:endParaRPr lang="en-US">
               <a:solidFill>
@@ -2429,7 +2429,7 @@
                 </a:solidFill>
               </a:rPr>
               <a:pPr/>
-              <a:t>10/12/2019</a:t>
+              <a:t>10/13/2019</a:t>
             </a:fld>
             <a:endParaRPr lang="en-US">
               <a:solidFill>
@@ -2738,7 +2738,7 @@
                 </a:solidFill>
               </a:rPr>
               <a:pPr/>
-              <a:t>10/12/2019</a:t>
+              <a:t>10/13/2019</a:t>
             </a:fld>
             <a:endParaRPr lang="en-US">
               <a:solidFill>
@@ -2933,7 +2933,7 @@
           <a:p>
             <a:fld id="{5BCAD085-E8A6-8845-BD4E-CB4CCA059FC4}" type="datetimeFigureOut">
               <a:rPr lang="en-US" smtClean="0"/>
-              <a:t>10/12/2019</a:t>
+              <a:t>10/13/2019</a:t>
             </a:fld>
             <a:endParaRPr lang="en-US"/>
           </a:p>
@@ -3193,7 +3193,7 @@
                 </a:solidFill>
               </a:rPr>
               <a:pPr/>
-              <a:t>10/12/2019</a:t>
+              <a:t>10/13/2019</a:t>
             </a:fld>
             <a:endParaRPr lang="en-US">
               <a:solidFill>
@@ -3395,7 +3395,7 @@
                 </a:solidFill>
               </a:rPr>
               <a:pPr/>
-              <a:t>10/12/2019</a:t>
+              <a:t>10/13/2019</a:t>
             </a:fld>
             <a:endParaRPr lang="en-US">
               <a:solidFill>
@@ -3607,7 +3607,7 @@
                 </a:solidFill>
               </a:rPr>
               <a:pPr/>
-              <a:t>10/12/2019</a:t>
+              <a:t>10/13/2019</a:t>
             </a:fld>
             <a:endParaRPr lang="en-US">
               <a:solidFill>
@@ -3878,7 +3878,7 @@
           <a:p>
             <a:fld id="{5BCAD085-E8A6-8845-BD4E-CB4CCA059FC4}" type="datetimeFigureOut">
               <a:rPr lang="en-US" smtClean="0"/>
-              <a:t>10/12/2019</a:t>
+              <a:t>10/13/2019</a:t>
             </a:fld>
             <a:endParaRPr lang="en-US"/>
           </a:p>
@@ -4166,7 +4166,7 @@
           <a:p>
             <a:fld id="{5BCAD085-E8A6-8845-BD4E-CB4CCA059FC4}" type="datetimeFigureOut">
               <a:rPr lang="en-US" smtClean="0"/>
-              <a:t>10/12/2019</a:t>
+              <a:t>10/13/2019</a:t>
             </a:fld>
             <a:endParaRPr lang="en-US"/>
           </a:p>
@@ -4588,7 +4588,7 @@
           <a:p>
             <a:fld id="{5BCAD085-E8A6-8845-BD4E-CB4CCA059FC4}" type="datetimeFigureOut">
               <a:rPr lang="en-US" smtClean="0"/>
-              <a:t>10/12/2019</a:t>
+              <a:t>10/13/2019</a:t>
             </a:fld>
             <a:endParaRPr lang="en-US"/>
           </a:p>
@@ -4706,7 +4706,7 @@
           <a:p>
             <a:fld id="{5BCAD085-E8A6-8845-BD4E-CB4CCA059FC4}" type="datetimeFigureOut">
               <a:rPr lang="en-US" smtClean="0"/>
-              <a:t>10/12/2019</a:t>
+              <a:t>10/13/2019</a:t>
             </a:fld>
             <a:endParaRPr lang="en-US"/>
           </a:p>
@@ -4801,7 +4801,7 @@
           <a:p>
             <a:fld id="{5BCAD085-E8A6-8845-BD4E-CB4CCA059FC4}" type="datetimeFigureOut">
               <a:rPr lang="en-US" smtClean="0"/>
-              <a:t>10/12/2019</a:t>
+              <a:t>10/13/2019</a:t>
             </a:fld>
             <a:endParaRPr lang="en-US"/>
           </a:p>
@@ -5078,7 +5078,7 @@
           <a:p>
             <a:fld id="{5BCAD085-E8A6-8845-BD4E-CB4CCA059FC4}" type="datetimeFigureOut">
               <a:rPr lang="en-US" smtClean="0"/>
-              <a:t>10/12/2019</a:t>
+              <a:t>10/13/2019</a:t>
             </a:fld>
             <a:endParaRPr lang="en-US"/>
           </a:p>
@@ -5331,7 +5331,7 @@
           <a:p>
             <a:fld id="{5BCAD085-E8A6-8845-BD4E-CB4CCA059FC4}" type="datetimeFigureOut">
               <a:rPr lang="en-US" smtClean="0"/>
-              <a:t>10/12/2019</a:t>
+              <a:t>10/13/2019</a:t>
             </a:fld>
             <a:endParaRPr lang="en-US"/>
           </a:p>
@@ -5544,7 +5544,7 @@
           <a:p>
             <a:fld id="{5BCAD085-E8A6-8845-BD4E-CB4CCA059FC4}" type="datetimeFigureOut">
               <a:rPr lang="en-US" smtClean="0"/>
-              <a:t>10/12/2019</a:t>
+              <a:t>10/13/2019</a:t>
             </a:fld>
             <a:endParaRPr lang="en-US"/>
           </a:p>
@@ -6061,7 +6061,7 @@
                 </a:solidFill>
               </a:rPr>
               <a:pPr/>
-              <a:t>10/12/2019</a:t>
+              <a:t>10/13/2019</a:t>
             </a:fld>
             <a:endParaRPr lang="en-US">
               <a:solidFill>
@@ -6586,7 +6586,7 @@
         <p:spPr>
           <a:xfrm>
             <a:off x="548640" y="228600"/>
-            <a:ext cx="8164286" cy="3046988"/>
+            <a:ext cx="8164286" cy="2862322"/>
           </a:xfrm>
           <a:prstGeom prst="rect">
             <a:avLst/>
@@ -6607,7 +6607,7 @@
               </a:defRPr>
             </a:pPr>
             <a:r>
-              <a:rPr sz="6400" dirty="0" err="1">
+              <a:rPr sz="6000" dirty="0" err="1">
                 <a:solidFill>
                   <a:srgbClr val="000000"/>
                 </a:solidFill>
@@ -6615,7 +6615,7 @@
               <a:t>และในทุกเส้นทาง</a:t>
             </a:r>
             <a:r>
-              <a:rPr sz="6400" dirty="0">
+              <a:rPr sz="6000" dirty="0">
                 <a:solidFill>
                   <a:srgbClr val="000000"/>
                 </a:solidFill>
@@ -6623,7 +6623,7 @@
               <a:t> </a:t>
             </a:r>
             <a:r>
-              <a:rPr sz="6400" dirty="0" err="1">
+              <a:rPr sz="6000" dirty="0" err="1">
                 <a:solidFill>
                   <a:srgbClr val="000000"/>
                 </a:solidFill>
@@ -6631,7 +6631,7 @@
               <a:t>ที่ก้าวและเดินไป</a:t>
             </a:r>
             <a:r>
-              <a:rPr sz="6400" dirty="0">
+              <a:rPr sz="6000" dirty="0">
                 <a:solidFill>
                   <a:srgbClr val="000000"/>
                 </a:solidFill>
@@ -6639,7 +6639,7 @@
               <a:t> </a:t>
             </a:r>
             <a:r>
-              <a:rPr sz="6400" dirty="0" err="1">
+              <a:rPr sz="6000" dirty="0" err="1">
                 <a:solidFill>
                   <a:srgbClr val="000000"/>
                 </a:solidFill>
@@ -6647,14 +6647,14 @@
               <a:t>ให้ทุกวันเวลาในชีวิต</a:t>
             </a:r>
             <a:r>
-              <a:rPr sz="6400" dirty="0">
+              <a:rPr sz="6000" dirty="0">
                 <a:solidFill>
                   <a:srgbClr val="000000"/>
                 </a:solidFill>
               </a:rPr>
               <a:t> </a:t>
             </a:r>
-            <a:endParaRPr lang="en-US" sz="6400" dirty="0" smtClean="0">
+            <a:endParaRPr lang="en-US" sz="6000" dirty="0" smtClean="0">
               <a:solidFill>
                 <a:srgbClr val="000000"/>
               </a:solidFill>
@@ -6669,7 +6669,7 @@
               </a:defRPr>
             </a:pPr>
             <a:r>
-              <a:rPr sz="6400" dirty="0" err="1" smtClean="0">
+              <a:rPr sz="6000" dirty="0" err="1" smtClean="0">
                 <a:solidFill>
                   <a:srgbClr val="000000"/>
                 </a:solidFill>
@@ -6677,7 +6677,7 @@
               <a:t>นมัสการ</a:t>
             </a:r>
             <a:r>
-              <a:rPr sz="6400" dirty="0" err="1">
+              <a:rPr sz="6000" dirty="0" err="1">
                 <a:solidFill>
                   <a:srgbClr val="000000"/>
                 </a:solidFill>
@@ -6685,14 +6685,14 @@
               <a:t>พระองค์</a:t>
             </a:r>
             <a:r>
-              <a:rPr sz="6400" dirty="0" err="1" smtClean="0">
+              <a:rPr sz="6000" dirty="0" err="1" smtClean="0">
                 <a:solidFill>
                   <a:srgbClr val="000000"/>
                 </a:solidFill>
               </a:rPr>
               <a:t>เรื่อยไป</a:t>
             </a:r>
-            <a:endParaRPr sz="6400" dirty="0">
+            <a:endParaRPr sz="6000" dirty="0">
               <a:solidFill>
                 <a:srgbClr val="000000"/>
               </a:solidFill>
@@ -6891,7 +6891,7 @@
         <p:spPr>
           <a:xfrm>
             <a:off x="584563" y="228600"/>
-            <a:ext cx="7974874" cy="3046988"/>
+            <a:ext cx="7974874" cy="2862322"/>
           </a:xfrm>
           <a:prstGeom prst="rect">
             <a:avLst/>
@@ -6912,7 +6912,7 @@
               </a:defRPr>
             </a:pPr>
             <a:r>
-              <a:rPr sz="6400" dirty="0" err="1" smtClean="0">
+              <a:rPr sz="6000" dirty="0" err="1" smtClean="0">
                 <a:solidFill>
                   <a:srgbClr val="000000"/>
                 </a:solidFill>
@@ -6920,7 +6920,7 @@
               <a:t>และ</a:t>
             </a:r>
             <a:r>
-              <a:rPr sz="6400" dirty="0" err="1">
+              <a:rPr sz="6000" dirty="0" err="1">
                 <a:solidFill>
                   <a:srgbClr val="000000"/>
                 </a:solidFill>
@@ -6928,7 +6928,7 @@
               <a:t>ในทุกเส้นทาง</a:t>
             </a:r>
             <a:r>
-              <a:rPr sz="6400" dirty="0">
+              <a:rPr sz="6000" dirty="0">
                 <a:solidFill>
                   <a:srgbClr val="000000"/>
                 </a:solidFill>
@@ -6936,7 +6936,7 @@
               <a:t> </a:t>
             </a:r>
             <a:r>
-              <a:rPr sz="6400" dirty="0" err="1">
+              <a:rPr sz="6000" dirty="0" err="1">
                 <a:solidFill>
                   <a:srgbClr val="000000"/>
                 </a:solidFill>
@@ -6944,7 +6944,7 @@
               <a:t>ที่ก้าวและเดินไป</a:t>
             </a:r>
             <a:r>
-              <a:rPr sz="6400" dirty="0">
+              <a:rPr sz="6000" dirty="0">
                 <a:solidFill>
                   <a:srgbClr val="000000"/>
                 </a:solidFill>
@@ -6952,7 +6952,7 @@
               <a:t> </a:t>
             </a:r>
             <a:r>
-              <a:rPr sz="6400" dirty="0" err="1">
+              <a:rPr sz="6000" dirty="0" err="1">
                 <a:solidFill>
                   <a:srgbClr val="000000"/>
                 </a:solidFill>
@@ -6960,14 +6960,14 @@
               <a:t>ให้ทุกวันเวลาในชีวิต</a:t>
             </a:r>
             <a:r>
-              <a:rPr sz="6400" dirty="0">
+              <a:rPr sz="6000" dirty="0">
                 <a:solidFill>
                   <a:srgbClr val="000000"/>
                 </a:solidFill>
               </a:rPr>
               <a:t> </a:t>
             </a:r>
-            <a:endParaRPr lang="en-US" sz="6400" dirty="0" smtClean="0">
+            <a:endParaRPr lang="en-US" sz="6000" dirty="0" smtClean="0">
               <a:solidFill>
                 <a:srgbClr val="000000"/>
               </a:solidFill>
@@ -6982,7 +6982,7 @@
               </a:defRPr>
             </a:pPr>
             <a:r>
-              <a:rPr sz="6400" dirty="0" err="1" smtClean="0">
+              <a:rPr sz="6000" dirty="0" err="1" smtClean="0">
                 <a:solidFill>
                   <a:srgbClr val="000000"/>
                 </a:solidFill>
@@ -6990,14 +6990,14 @@
               <a:t>นมัสการ</a:t>
             </a:r>
             <a:r>
-              <a:rPr sz="6400" dirty="0" err="1">
+              <a:rPr sz="6000" dirty="0" err="1">
                 <a:solidFill>
                   <a:srgbClr val="000000"/>
                 </a:solidFill>
               </a:rPr>
               <a:t>พระองค์นิรันดร์</a:t>
             </a:r>
-            <a:endParaRPr sz="6400" dirty="0">
+            <a:endParaRPr sz="6000" dirty="0">
               <a:solidFill>
                 <a:srgbClr val="000000"/>
               </a:solidFill>
@@ -7325,7 +7325,7 @@
         <p:spPr>
           <a:xfrm>
             <a:off x="685800" y="228600"/>
-            <a:ext cx="7772400" cy="2062103"/>
+            <a:ext cx="7772400" cy="2585323"/>
           </a:xfrm>
           <a:prstGeom prst="rect">
             <a:avLst/>
@@ -7346,7 +7346,7 @@
               </a:defRPr>
             </a:pPr>
             <a:r>
-              <a:rPr sz="6400" dirty="0" err="1" smtClean="0">
+              <a:rPr sz="5400" dirty="0" err="1" smtClean="0">
                 <a:solidFill>
                   <a:srgbClr val="000000"/>
                 </a:solidFill>
@@ -7354,7 +7354,7 @@
               <a:t>ข้า</a:t>
             </a:r>
             <a:r>
-              <a:rPr sz="6400" dirty="0" err="1">
+              <a:rPr sz="5400" dirty="0" err="1">
                 <a:solidFill>
                   <a:srgbClr val="000000"/>
                 </a:solidFill>
@@ -7362,43 +7362,87 @@
               <a:t>ได้พบสันติสุข</a:t>
             </a:r>
             <a:r>
-              <a:rPr sz="6400" dirty="0">
+              <a:rPr sz="5400" dirty="0">
                 <a:solidFill>
                   <a:srgbClr val="000000"/>
                 </a:solidFill>
               </a:rPr>
               <a:t> </a:t>
             </a:r>
-            <a:r>
-              <a:rPr sz="6400" dirty="0" err="1">
-                <a:solidFill>
-                  <a:srgbClr val="000000"/>
-                </a:solidFill>
-              </a:rPr>
-              <a:t>ที่โอบล้อมรอบตัวข้าไว้</a:t>
-            </a:r>
-            <a:r>
-              <a:rPr sz="6400" dirty="0">
-                <a:solidFill>
-                  <a:srgbClr val="000000"/>
-                </a:solidFill>
-              </a:rPr>
-              <a:t> </a:t>
-            </a:r>
-            <a:r>
-              <a:rPr sz="6400" dirty="0" err="1">
-                <a:solidFill>
-                  <a:srgbClr val="000000"/>
-                </a:solidFill>
-              </a:rPr>
-              <a:t>ข้าสุขใจเหลือจะบรรยาย</a:t>
-            </a:r>
-            <a:endParaRPr sz="6400" dirty="0">
+            <a:endParaRPr lang="en-US" sz="5400" dirty="0" smtClean="0">
               <a:solidFill>
                 <a:srgbClr val="000000"/>
               </a:solidFill>
             </a:endParaRPr>
           </a:p>
+          <a:p>
+            <a:pPr algn="ctr">
+              <a:defRPr sz="6400">
+                <a:solidFill>
+                  <a:srgbClr val="000000"/>
+                </a:solidFill>
+              </a:defRPr>
+            </a:pPr>
+            <a:r>
+              <a:rPr sz="5400" dirty="0" err="1" smtClean="0">
+                <a:solidFill>
+                  <a:srgbClr val="000000"/>
+                </a:solidFill>
+              </a:rPr>
+              <a:t>ที่</a:t>
+            </a:r>
+            <a:r>
+              <a:rPr sz="5400" dirty="0" err="1">
+                <a:solidFill>
+                  <a:srgbClr val="000000"/>
+                </a:solidFill>
+              </a:rPr>
+              <a:t>โอบล้อมรอบตัวข้าไว้</a:t>
+            </a:r>
+            <a:r>
+              <a:rPr sz="5400" dirty="0">
+                <a:solidFill>
+                  <a:srgbClr val="000000"/>
+                </a:solidFill>
+              </a:rPr>
+              <a:t> </a:t>
+            </a:r>
+            <a:endParaRPr lang="en-US" sz="5400" dirty="0" smtClean="0">
+              <a:solidFill>
+                <a:srgbClr val="000000"/>
+              </a:solidFill>
+            </a:endParaRPr>
+          </a:p>
+          <a:p>
+            <a:pPr algn="ctr">
+              <a:defRPr sz="6400">
+                <a:solidFill>
+                  <a:srgbClr val="000000"/>
+                </a:solidFill>
+              </a:defRPr>
+            </a:pPr>
+            <a:r>
+              <a:rPr sz="5400" dirty="0" err="1" smtClean="0">
+                <a:solidFill>
+                  <a:srgbClr val="000000"/>
+                </a:solidFill>
+              </a:rPr>
+              <a:t>ข้า</a:t>
+            </a:r>
+            <a:r>
+              <a:rPr sz="5400" dirty="0" err="1">
+                <a:solidFill>
+                  <a:srgbClr val="000000"/>
+                </a:solidFill>
+              </a:rPr>
+              <a:t>สุขใจเหลือจะบรรยาย</a:t>
+            </a:r>
+            <a:endParaRPr sz="5400" dirty="0">
+              <a:solidFill>
+                <a:srgbClr val="000000"/>
+              </a:solidFill>
+            </a:endParaRPr>
+          </a:p>
         </p:txBody>
       </p:sp>
       <p:sp>
@@ -7409,8 +7453,8 @@
         </p:nvSpPr>
         <p:spPr>
           <a:xfrm>
-            <a:off x="685800" y="2390503"/>
-            <a:ext cx="7772400" cy="4247317"/>
+            <a:off x="685800" y="3388354"/>
+            <a:ext cx="7772400" cy="2308324"/>
           </a:xfrm>
           <a:prstGeom prst="rect">
             <a:avLst/>
@@ -7431,7 +7475,7 @@
               </a:defRPr>
             </a:pPr>
             <a:r>
-              <a:rPr sz="5400" dirty="0" smtClean="0">
+              <a:rPr sz="4800" dirty="0" smtClean="0">
                 <a:solidFill>
                   <a:srgbClr val="3A70BC"/>
                 </a:solidFill>
@@ -7439,14 +7483,38 @@
               <a:t>I </a:t>
             </a:r>
             <a:r>
-              <a:rPr sz="5400" dirty="0">
+              <a:rPr sz="4800" dirty="0">
                 <a:solidFill>
                   <a:srgbClr val="3A70BC"/>
                 </a:solidFill>
               </a:rPr>
-              <a:t>have found precious peace that’s </a:t>
-            </a:r>
-            <a:endParaRPr lang="en-US" sz="5400" dirty="0" smtClean="0">
+              <a:t>have found precious </a:t>
+            </a:r>
+            <a:r>
+              <a:rPr sz="4800" dirty="0" smtClean="0">
+                <a:solidFill>
+                  <a:srgbClr val="3A70BC"/>
+                </a:solidFill>
+              </a:rPr>
+              <a:t>peace </a:t>
+            </a:r>
+            <a:r>
+              <a:rPr sz="4800" dirty="0">
+                <a:solidFill>
+                  <a:srgbClr val="3A70BC"/>
+                </a:solidFill>
+              </a:rPr>
+              <a:t>that’s </a:t>
+            </a:r>
+            <a:r>
+              <a:rPr sz="4800" dirty="0" smtClean="0">
+                <a:solidFill>
+                  <a:srgbClr val="3A70BC"/>
+                </a:solidFill>
+              </a:rPr>
+              <a:t>encompassing my life. </a:t>
+            </a:r>
+            <a:endParaRPr lang="en-US" sz="4800" dirty="0" smtClean="0">
               <a:solidFill>
                 <a:srgbClr val="3A70BC"/>
               </a:solidFill>
@@ -7461,75 +7529,31 @@
               </a:defRPr>
             </a:pPr>
             <a:r>
-              <a:rPr sz="5400" dirty="0" smtClean="0">
+              <a:rPr sz="4800" dirty="0" smtClean="0">
                 <a:solidFill>
                   <a:srgbClr val="3A70BC"/>
                 </a:solidFill>
               </a:rPr>
-              <a:t>encompassing </a:t>
-            </a:r>
-            <a:r>
-              <a:rPr sz="5400" dirty="0">
+              <a:t>How </a:t>
+            </a:r>
+            <a:r>
+              <a:rPr sz="4800" dirty="0">
                 <a:solidFill>
                   <a:srgbClr val="3A70BC"/>
                 </a:solidFill>
               </a:rPr>
-              <a:t>my life. </a:t>
-            </a:r>
-            <a:endParaRPr lang="en-US" sz="5400" dirty="0" smtClean="0">
-              <a:solidFill>
-                <a:srgbClr val="3A70BC"/>
-              </a:solidFill>
-            </a:endParaRPr>
-          </a:p>
-          <a:p>
-            <a:pPr algn="ctr">
-              <a:defRPr sz="5400">
+              <a:t>my heart </a:t>
+            </a:r>
+            <a:r>
+              <a:rPr sz="4800" dirty="0" smtClean="0">
                 <a:solidFill>
                   <a:srgbClr val="3A70BC"/>
                 </a:solidFill>
-              </a:defRPr>
-            </a:pPr>
-            <a:r>
-              <a:rPr sz="5400" dirty="0" smtClean="0">
-                <a:solidFill>
-                  <a:srgbClr val="3A70BC"/>
-                </a:solidFill>
-              </a:rPr>
-              <a:t>How </a:t>
-            </a:r>
-            <a:r>
-              <a:rPr sz="5400" dirty="0">
-                <a:solidFill>
-                  <a:srgbClr val="3A70BC"/>
-                </a:solidFill>
-              </a:rPr>
-              <a:t>my heart </a:t>
-            </a:r>
-            <a:endParaRPr lang="en-US" sz="5400" dirty="0" smtClean="0">
-              <a:solidFill>
-                <a:srgbClr val="3A70BC"/>
-              </a:solidFill>
-            </a:endParaRPr>
-          </a:p>
-          <a:p>
-            <a:pPr algn="ctr">
-              <a:defRPr sz="5400">
-                <a:solidFill>
-                  <a:srgbClr val="3A70BC"/>
-                </a:solidFill>
-              </a:defRPr>
-            </a:pPr>
-            <a:r>
-              <a:rPr sz="5400" dirty="0" smtClean="0">
-                <a:solidFill>
-                  <a:srgbClr val="3A70BC"/>
-                </a:solidFill>
               </a:rPr>
               <a:t>delight </a:t>
             </a:r>
             <a:r>
-              <a:rPr sz="5400" dirty="0">
+              <a:rPr sz="4800" dirty="0">
                 <a:solidFill>
                   <a:srgbClr val="3A70BC"/>
                 </a:solidFill>
@@ -7891,7 +7915,7 @@
         <p:spPr>
           <a:xfrm>
             <a:off x="685800" y="228600"/>
-            <a:ext cx="7772400" cy="3046988"/>
+            <a:ext cx="7772400" cy="2862322"/>
           </a:xfrm>
           <a:prstGeom prst="rect">
             <a:avLst/>
@@ -7912,7 +7936,7 @@
               </a:defRPr>
             </a:pPr>
             <a:r>
-              <a:rPr sz="6400" dirty="0" err="1" smtClean="0">
+              <a:rPr sz="6000" dirty="0" err="1" smtClean="0">
                 <a:solidFill>
                   <a:srgbClr val="000000"/>
                 </a:solidFill>
@@ -7920,7 +7944,7 @@
               <a:t>ไม่</a:t>
             </a:r>
             <a:r>
-              <a:rPr sz="6400" dirty="0" err="1">
+              <a:rPr sz="6000" dirty="0" err="1">
                 <a:solidFill>
                   <a:srgbClr val="000000"/>
                 </a:solidFill>
@@ -7928,14 +7952,14 @@
               <a:t>ว่าอยู่แห่งหน</a:t>
             </a:r>
             <a:r>
-              <a:rPr sz="6400" dirty="0" err="1" smtClean="0">
+              <a:rPr sz="6000" dirty="0" err="1" smtClean="0">
                 <a:solidFill>
                   <a:srgbClr val="000000"/>
                 </a:solidFill>
               </a:rPr>
               <a:t>ไหน</a:t>
             </a:r>
-            <a:endParaRPr lang="en-US" sz="6400" dirty="0" smtClean="0">
+            <a:endParaRPr lang="en-US" sz="6000" dirty="0" smtClean="0">
               <a:solidFill>
                 <a:srgbClr val="000000"/>
               </a:solidFill>
@@ -7950,7 +7974,7 @@
               </a:defRPr>
             </a:pPr>
             <a:r>
-              <a:rPr sz="6400" dirty="0" smtClean="0">
+              <a:rPr sz="6000" dirty="0" smtClean="0">
                 <a:solidFill>
                   <a:srgbClr val="000000"/>
                 </a:solidFill>
@@ -7958,7 +7982,7 @@
               <a:t> </a:t>
             </a:r>
             <a:r>
-              <a:rPr sz="6400" dirty="0" err="1">
+              <a:rPr sz="6000" dirty="0" err="1">
                 <a:solidFill>
                   <a:srgbClr val="000000"/>
                 </a:solidFill>
@@ -7966,14 +7990,14 @@
               <a:t>ข้าจะนมัสการ</a:t>
             </a:r>
             <a:r>
-              <a:rPr sz="6400" dirty="0">
+              <a:rPr sz="6000" dirty="0">
                 <a:solidFill>
                   <a:srgbClr val="000000"/>
                 </a:solidFill>
               </a:rPr>
               <a:t> </a:t>
             </a:r>
-            <a:endParaRPr lang="en-US" sz="6400" dirty="0" smtClean="0">
+            <a:endParaRPr lang="en-US" sz="6000" dirty="0" smtClean="0">
               <a:solidFill>
                 <a:srgbClr val="000000"/>
               </a:solidFill>
@@ -7988,7 +8012,7 @@
               </a:defRPr>
             </a:pPr>
             <a:r>
-              <a:rPr sz="6400" dirty="0" err="1" smtClean="0">
+              <a:rPr sz="6000" dirty="0" err="1" smtClean="0">
                 <a:solidFill>
                   <a:srgbClr val="000000"/>
                 </a:solidFill>
@@ -7996,7 +8020,7 @@
               <a:t>และ</a:t>
             </a:r>
             <a:r>
-              <a:rPr sz="6400" dirty="0" err="1">
+              <a:rPr sz="6000" dirty="0" err="1">
                 <a:solidFill>
                   <a:srgbClr val="000000"/>
                 </a:solidFill>
@@ -8004,7 +8028,7 @@
               <a:t>ไม่ว่าเป็นเช่นใด</a:t>
             </a:r>
             <a:r>
-              <a:rPr sz="6400" dirty="0">
+              <a:rPr sz="6000" dirty="0">
                 <a:solidFill>
                   <a:srgbClr val="000000"/>
                 </a:solidFill>
@@ -8012,7 +8036,7 @@
               <a:t> </a:t>
             </a:r>
             <a:r>
-              <a:rPr sz="6400" dirty="0" err="1" smtClean="0">
+              <a:rPr sz="6000" dirty="0" err="1" smtClean="0">
                 <a:solidFill>
                   <a:srgbClr val="000000"/>
                 </a:solidFill>
@@ -8020,14 +8044,14 @@
               <a:t>ก็</a:t>
             </a:r>
             <a:r>
-              <a:rPr sz="6400" dirty="0" err="1">
+              <a:rPr sz="6000" dirty="0" err="1">
                 <a:solidFill>
                   <a:srgbClr val="000000"/>
                 </a:solidFill>
               </a:rPr>
               <a:t>จะนมัสการ</a:t>
             </a:r>
-            <a:endParaRPr sz="6400" dirty="0">
+            <a:endParaRPr sz="6000" dirty="0">
               <a:solidFill>
                 <a:srgbClr val="000000"/>
               </a:solidFill>
@@ -8317,7 +8341,7 @@
         </p:nvSpPr>
         <p:spPr>
           <a:xfrm>
-            <a:off x="685800" y="3657600"/>
+            <a:off x="685800" y="3364523"/>
             <a:ext cx="7772400" cy="1754326"/>
           </a:xfrm>
           <a:prstGeom prst="rect">
@@ -8419,7 +8443,7 @@
         <p:spPr>
           <a:xfrm>
             <a:off x="685800" y="228600"/>
-            <a:ext cx="7772400" cy="3046988"/>
+            <a:ext cx="7772400" cy="2862322"/>
           </a:xfrm>
           <a:prstGeom prst="rect">
             <a:avLst/>
@@ -8440,7 +8464,7 @@
               </a:defRPr>
             </a:pPr>
             <a:r>
-              <a:rPr sz="6400" dirty="0" err="1" smtClean="0">
+              <a:rPr sz="6000" dirty="0" err="1" smtClean="0">
                 <a:solidFill>
                   <a:srgbClr val="000000"/>
                 </a:solidFill>
@@ -8448,7 +8472,7 @@
               <a:t>ข้า</a:t>
             </a:r>
             <a:r>
-              <a:rPr sz="6400" dirty="0" err="1">
+              <a:rPr sz="6000" dirty="0" err="1">
                 <a:solidFill>
                   <a:srgbClr val="000000"/>
                 </a:solidFill>
@@ -8456,14 +8480,14 @@
               <a:t>ได้พบสันติสุข</a:t>
             </a:r>
             <a:r>
-              <a:rPr sz="6400" dirty="0">
+              <a:rPr sz="6000" dirty="0">
                 <a:solidFill>
                   <a:srgbClr val="000000"/>
                 </a:solidFill>
               </a:rPr>
               <a:t> </a:t>
             </a:r>
-            <a:endParaRPr lang="en-US" sz="6400" dirty="0" smtClean="0">
+            <a:endParaRPr lang="en-US" sz="6000" dirty="0" smtClean="0">
               <a:solidFill>
                 <a:srgbClr val="000000"/>
               </a:solidFill>
@@ -8478,7 +8502,7 @@
               </a:defRPr>
             </a:pPr>
             <a:r>
-              <a:rPr sz="6400" dirty="0" err="1" smtClean="0">
+              <a:rPr sz="6000" dirty="0" err="1" smtClean="0">
                 <a:solidFill>
                   <a:srgbClr val="000000"/>
                 </a:solidFill>
@@ -8486,7 +8510,7 @@
               <a:t>ที่</a:t>
             </a:r>
             <a:r>
-              <a:rPr sz="6400" dirty="0" err="1">
+              <a:rPr sz="6000" dirty="0" err="1">
                 <a:solidFill>
                   <a:srgbClr val="000000"/>
                 </a:solidFill>
@@ -8494,14 +8518,14 @@
               <a:t>โอบล้อมรอบตัวข้าไว้</a:t>
             </a:r>
             <a:r>
-              <a:rPr sz="6400" dirty="0">
+              <a:rPr sz="6000" dirty="0">
                 <a:solidFill>
                   <a:srgbClr val="000000"/>
                 </a:solidFill>
               </a:rPr>
               <a:t> </a:t>
             </a:r>
-            <a:endParaRPr lang="en-US" sz="6400" dirty="0" smtClean="0">
+            <a:endParaRPr lang="en-US" sz="6000" dirty="0" smtClean="0">
               <a:solidFill>
                 <a:srgbClr val="000000"/>
               </a:solidFill>
@@ -8516,7 +8540,7 @@
               </a:defRPr>
             </a:pPr>
             <a:r>
-              <a:rPr sz="6400" dirty="0" err="1" smtClean="0">
+              <a:rPr sz="6000" dirty="0" err="1" smtClean="0">
                 <a:solidFill>
                   <a:srgbClr val="000000"/>
                 </a:solidFill>
@@ -8524,14 +8548,14 @@
               <a:t>อยู่</a:t>
             </a:r>
             <a:r>
-              <a:rPr sz="6400" dirty="0" err="1">
+              <a:rPr sz="6000" dirty="0" err="1">
                 <a:solidFill>
                   <a:srgbClr val="000000"/>
                 </a:solidFill>
               </a:rPr>
               <a:t>ในความรักของพระองค์</a:t>
             </a:r>
-            <a:endParaRPr sz="6400" dirty="0">
+            <a:endParaRPr sz="6000" dirty="0">
               <a:solidFill>
                 <a:srgbClr val="000000"/>
               </a:solidFill>
@@ -8731,7 +8755,7 @@
         <p:spPr>
           <a:xfrm>
             <a:off x="685800" y="228600"/>
-            <a:ext cx="7772400" cy="3046988"/>
+            <a:ext cx="7772400" cy="2862322"/>
           </a:xfrm>
           <a:prstGeom prst="rect">
             <a:avLst/>
@@ -8752,7 +8776,7 @@
               </a:defRPr>
             </a:pPr>
             <a:r>
-              <a:rPr sz="6400" dirty="0" err="1">
+              <a:rPr sz="6000" dirty="0" err="1">
                 <a:solidFill>
                   <a:srgbClr val="000000"/>
                 </a:solidFill>
@@ -8760,14 +8784,14 @@
               <a:t>ไม่ว่าอยู่แห่งหนไหน</a:t>
             </a:r>
             <a:r>
-              <a:rPr sz="6400" dirty="0">
+              <a:rPr sz="6000" dirty="0">
                 <a:solidFill>
                   <a:srgbClr val="000000"/>
                 </a:solidFill>
               </a:rPr>
               <a:t> </a:t>
             </a:r>
-            <a:endParaRPr lang="en-US" sz="6400" dirty="0" smtClean="0">
+            <a:endParaRPr lang="en-US" sz="6000" dirty="0" smtClean="0">
               <a:solidFill>
                 <a:srgbClr val="000000"/>
               </a:solidFill>
@@ -8782,7 +8806,7 @@
               </a:defRPr>
             </a:pPr>
             <a:r>
-              <a:rPr sz="6400" dirty="0" err="1" smtClean="0">
+              <a:rPr sz="6000" dirty="0" err="1" smtClean="0">
                 <a:solidFill>
                   <a:srgbClr val="000000"/>
                 </a:solidFill>
@@ -8790,7 +8814,7 @@
               <a:t>ข้า</a:t>
             </a:r>
             <a:r>
-              <a:rPr sz="6400" dirty="0" err="1">
+              <a:rPr sz="6000" dirty="0" err="1">
                 <a:solidFill>
                   <a:srgbClr val="000000"/>
                 </a:solidFill>
@@ -8798,7 +8822,7 @@
               <a:t>จะนมัสการ</a:t>
             </a:r>
             <a:r>
-              <a:rPr sz="6400" dirty="0">
+              <a:rPr sz="6000" dirty="0">
                 <a:solidFill>
                   <a:srgbClr val="000000"/>
                 </a:solidFill>
@@ -8806,7 +8830,7 @@
               <a:t> </a:t>
             </a:r>
             <a:r>
-              <a:rPr sz="6400" dirty="0" err="1">
+              <a:rPr sz="6000" dirty="0" err="1">
                 <a:solidFill>
                   <a:srgbClr val="000000"/>
                 </a:solidFill>
@@ -8814,7 +8838,7 @@
               <a:t>และไม่ว่าเป็นเช่นใด</a:t>
             </a:r>
             <a:r>
-              <a:rPr sz="6400" dirty="0">
+              <a:rPr sz="6000" dirty="0">
                 <a:solidFill>
                   <a:srgbClr val="000000"/>
                 </a:solidFill>
@@ -8822,7 +8846,7 @@
               <a:t> </a:t>
             </a:r>
             <a:r>
-              <a:rPr sz="6400" dirty="0" err="1">
+              <a:rPr sz="6000" dirty="0" err="1">
                 <a:solidFill>
                   <a:srgbClr val="000000"/>
                 </a:solidFill>
@@ -8830,14 +8854,14 @@
               <a:t>ข้าจะ</a:t>
             </a:r>
             <a:r>
-              <a:rPr sz="6400" dirty="0" err="1" smtClean="0">
+              <a:rPr sz="6000" dirty="0" err="1" smtClean="0">
                 <a:solidFill>
                   <a:srgbClr val="000000"/>
                 </a:solidFill>
               </a:rPr>
               <a:t>นมัสการ</a:t>
             </a:r>
-            <a:endParaRPr sz="6400" dirty="0">
+            <a:endParaRPr sz="6000" dirty="0">
               <a:solidFill>
                 <a:srgbClr val="000000"/>
               </a:solidFill>
@@ -9029,7 +9053,7 @@
         <p:spPr>
           <a:xfrm>
             <a:off x="685800" y="228600"/>
-            <a:ext cx="7772400" cy="3046988"/>
+            <a:ext cx="7772400" cy="2862322"/>
           </a:xfrm>
           <a:prstGeom prst="rect">
             <a:avLst/>
@@ -9050,7 +9074,7 @@
               </a:defRPr>
             </a:pPr>
             <a:r>
-              <a:rPr sz="6400" dirty="0" err="1" smtClean="0">
+              <a:rPr sz="6000" dirty="0" err="1" smtClean="0">
                 <a:solidFill>
                   <a:srgbClr val="000000"/>
                 </a:solidFill>
@@ -9058,7 +9082,7 @@
               <a:t>ไม่</a:t>
             </a:r>
             <a:r>
-              <a:rPr sz="6400" dirty="0" err="1">
+              <a:rPr sz="6000" dirty="0" err="1">
                 <a:solidFill>
                   <a:srgbClr val="000000"/>
                 </a:solidFill>
@@ -9066,14 +9090,14 @@
               <a:t>ว่าอยู่แห่งหน</a:t>
             </a:r>
             <a:r>
-              <a:rPr sz="6400" dirty="0" err="1" smtClean="0">
+              <a:rPr sz="6000" dirty="0" err="1" smtClean="0">
                 <a:solidFill>
                   <a:srgbClr val="000000"/>
                 </a:solidFill>
               </a:rPr>
               <a:t>ไหน</a:t>
             </a:r>
-            <a:endParaRPr lang="en-US" sz="6400" dirty="0" smtClean="0">
+            <a:endParaRPr lang="en-US" sz="6000" dirty="0" smtClean="0">
               <a:solidFill>
                 <a:srgbClr val="000000"/>
               </a:solidFill>
@@ -9088,7 +9112,7 @@
               </a:defRPr>
             </a:pPr>
             <a:r>
-              <a:rPr sz="6400" dirty="0" smtClean="0">
+              <a:rPr sz="6000" dirty="0" smtClean="0">
                 <a:solidFill>
                   <a:srgbClr val="000000"/>
                 </a:solidFill>
@@ -9096,7 +9120,7 @@
               <a:t> </a:t>
             </a:r>
             <a:r>
-              <a:rPr sz="6400" dirty="0" err="1">
+              <a:rPr sz="6000" dirty="0" err="1">
                 <a:solidFill>
                   <a:srgbClr val="000000"/>
                 </a:solidFill>
@@ -9104,14 +9128,14 @@
               <a:t>ข้าจะนมัสการ</a:t>
             </a:r>
             <a:r>
-              <a:rPr sz="6400" dirty="0">
+              <a:rPr sz="6000" dirty="0">
                 <a:solidFill>
                   <a:srgbClr val="000000"/>
                 </a:solidFill>
               </a:rPr>
               <a:t> </a:t>
             </a:r>
-            <a:endParaRPr lang="en-US" sz="6400" dirty="0" smtClean="0">
+            <a:endParaRPr lang="en-US" sz="6000" dirty="0" smtClean="0">
               <a:solidFill>
                 <a:srgbClr val="000000"/>
               </a:solidFill>
@@ -9126,7 +9150,7 @@
               </a:defRPr>
             </a:pPr>
             <a:r>
-              <a:rPr sz="6400" dirty="0" err="1" smtClean="0">
+              <a:rPr sz="6000" dirty="0" err="1" smtClean="0">
                 <a:solidFill>
                   <a:srgbClr val="000000"/>
                 </a:solidFill>
@@ -9134,7 +9158,7 @@
               <a:t>และ</a:t>
             </a:r>
             <a:r>
-              <a:rPr sz="6400" dirty="0" err="1">
+              <a:rPr sz="6000" dirty="0" err="1">
                 <a:solidFill>
                   <a:srgbClr val="000000"/>
                 </a:solidFill>
@@ -9142,7 +9166,7 @@
               <a:t>ไม่ว่าเป็นเช่นใด</a:t>
             </a:r>
             <a:r>
-              <a:rPr sz="6400" dirty="0">
+              <a:rPr sz="6000" dirty="0">
                 <a:solidFill>
                   <a:srgbClr val="000000"/>
                 </a:solidFill>
@@ -9150,7 +9174,7 @@
               <a:t> </a:t>
             </a:r>
             <a:r>
-              <a:rPr sz="6400" dirty="0" err="1" smtClean="0">
+              <a:rPr sz="6000" dirty="0" err="1" smtClean="0">
                 <a:solidFill>
                   <a:srgbClr val="000000"/>
                 </a:solidFill>
@@ -9158,14 +9182,14 @@
               <a:t>ก็</a:t>
             </a:r>
             <a:r>
-              <a:rPr sz="6400" dirty="0" err="1">
+              <a:rPr sz="6000" dirty="0" err="1">
                 <a:solidFill>
                   <a:srgbClr val="000000"/>
                 </a:solidFill>
               </a:rPr>
               <a:t>จะนมัสการ</a:t>
             </a:r>
-            <a:endParaRPr sz="6400" dirty="0">
+            <a:endParaRPr sz="6000" dirty="0">
               <a:solidFill>
                 <a:srgbClr val="000000"/>
               </a:solidFill>
